--- a/Vegetable_Prices_Presentation.pptx
+++ b/Vegetable_Prices_Presentation.pptx
@@ -9773,7 +9773,7 @@
         <p:spPr>
           <a:xfrm>
             <a:off x="658368" y="1527048"/>
-            <a:ext cx="10695432" cy="2281202"/>
+            <a:ext cx="10695432" cy="2460738"/>
           </a:xfrm>
           <a:prstGeom prst="rect">
             <a:avLst/>
@@ -9877,37 +9877,9 @@
               <a:buChar char="•"/>
             </a:pPr>
             <a:r>
-              <a:rPr lang="en-ZA" dirty="0">
-                <a:solidFill>
-                  <a:srgbClr val="467886"/>
-                </a:solidFill>
-                <a:latin typeface="Consolas" panose="020B0609020204030204" pitchFamily="49" charset="0"/>
-                <a:hlinkClick r:id="rId4">
-                  <a:extLst>
-                    <a:ext uri="{A12FA001-AC4F-418D-AE19-62706E023703}">
-                      <ahyp:hlinkClr xmlns:ahyp="http://schemas.microsoft.com/office/drawing/2018/hyperlinkcolor" val="tx"/>
-                    </a:ext>
-                  </a:extLst>
-                </a:hlinkClick>
-              </a:rPr>
-              <a:t>https://github.com/yourusername/</a:t>
-            </a:r>
-            <a:r>
-              <a:rPr lang="en-ZA" dirty="0">
-                <a:latin typeface="Consolas" panose="020B0609020204030204" pitchFamily="49" charset="0"/>
-                <a:hlinkClick r:id="rId4">
-                  <a:extLst>
-                    <a:ext uri="{A12FA001-AC4F-418D-AE19-62706E023703}">
-                      <ahyp:hlinkClr xmlns:ahyp="http://schemas.microsoft.com/office/drawing/2018/hyperlinkcolor" val="tx"/>
-                    </a:ext>
-                  </a:extLst>
-                </a:hlinkClick>
-              </a:rPr>
-              <a:t>yourrepository</a:t>
-            </a:r>
-            <a:endParaRPr lang="en-ZA" dirty="0">
-              <a:latin typeface="Consolas" panose="020B0609020204030204" pitchFamily="49" charset="0"/>
-            </a:endParaRPr>
+              <a:rPr lang="en-ZA" dirty="0"/>
+              <a:t>https://github.com/RPEJuries/Workplace_Project/tree/main?search=1 </a:t>
+            </a:r>
           </a:p>
           <a:p>
             <a:pPr marL="285750" indent="-285750">
@@ -9929,6 +9901,18 @@
               <a:buFont typeface="Arial" panose="020B0604020202020204" pitchFamily="34" charset="0"/>
               <a:buChar char="•"/>
             </a:pPr>
+            <a:endParaRPr lang="en-ZA" dirty="0">
+              <a:latin typeface="Consolas" panose="020B0609020204030204" pitchFamily="49" charset="0"/>
+            </a:endParaRPr>
+          </a:p>
+          <a:p>
+            <a:pPr marL="285750" indent="-285750">
+              <a:lnSpc>
+                <a:spcPts val="1425"/>
+              </a:lnSpc>
+              <a:buFont typeface="Arial" panose="020B0604020202020204" pitchFamily="34" charset="0"/>
+              <a:buChar char="•"/>
+            </a:pPr>
             <a:r>
               <a:rPr lang="en-ZA" dirty="0">
                 <a:latin typeface="Consolas" panose="020B0609020204030204" pitchFamily="49" charset="0"/>
@@ -9938,7 +9922,7 @@
             <a:r>
               <a:rPr lang="en-ZA" dirty="0">
                 <a:latin typeface="Consolas" panose="020B0609020204030204" pitchFamily="49" charset="0"/>
-                <a:hlinkClick r:id="rId5"/>
+                <a:hlinkClick r:id="rId4"/>
               </a:rPr>
               <a:t>https://pandas.pydata.org/docs/</a:t>
             </a:r>
